--- a/MatlabBasedSystemPresentation.pptx
+++ b/MatlabBasedSystemPresentation.pptx
@@ -302,7 +302,7 @@
           <a:p>
             <a:fld id="{74F43A5B-CCF4-DD4C-99FC-D615113EF2E9}" type="datetimeFigureOut">
               <a:rPr lang="en-US" smtClean="0"/>
-              <a:t>12/1/14</a:t>
+              <a:t>12/2/2014</a:t>
             </a:fld>
             <a:endParaRPr lang="en-US"/>
           </a:p>
@@ -472,7 +472,7 @@
           <a:p>
             <a:fld id="{74F43A5B-CCF4-DD4C-99FC-D615113EF2E9}" type="datetimeFigureOut">
               <a:rPr lang="en-US" smtClean="0"/>
-              <a:t>12/1/14</a:t>
+              <a:t>12/2/2014</a:t>
             </a:fld>
             <a:endParaRPr lang="en-US"/>
           </a:p>
@@ -652,7 +652,7 @@
           <a:p>
             <a:fld id="{74F43A5B-CCF4-DD4C-99FC-D615113EF2E9}" type="datetimeFigureOut">
               <a:rPr lang="en-US" smtClean="0"/>
-              <a:t>12/1/14</a:t>
+              <a:t>12/2/2014</a:t>
             </a:fld>
             <a:endParaRPr lang="en-US"/>
           </a:p>
@@ -822,7 +822,7 @@
           <a:p>
             <a:fld id="{74F43A5B-CCF4-DD4C-99FC-D615113EF2E9}" type="datetimeFigureOut">
               <a:rPr lang="en-US" smtClean="0"/>
-              <a:t>12/1/14</a:t>
+              <a:t>12/2/2014</a:t>
             </a:fld>
             <a:endParaRPr lang="en-US"/>
           </a:p>
@@ -1068,7 +1068,7 @@
           <a:p>
             <a:fld id="{74F43A5B-CCF4-DD4C-99FC-D615113EF2E9}" type="datetimeFigureOut">
               <a:rPr lang="en-US" smtClean="0"/>
-              <a:t>12/1/14</a:t>
+              <a:t>12/2/2014</a:t>
             </a:fld>
             <a:endParaRPr lang="en-US"/>
           </a:p>
@@ -1356,7 +1356,7 @@
           <a:p>
             <a:fld id="{74F43A5B-CCF4-DD4C-99FC-D615113EF2E9}" type="datetimeFigureOut">
               <a:rPr lang="en-US" smtClean="0"/>
-              <a:t>12/1/14</a:t>
+              <a:t>12/2/2014</a:t>
             </a:fld>
             <a:endParaRPr lang="en-US"/>
           </a:p>
@@ -1778,7 +1778,7 @@
           <a:p>
             <a:fld id="{74F43A5B-CCF4-DD4C-99FC-D615113EF2E9}" type="datetimeFigureOut">
               <a:rPr lang="en-US" smtClean="0"/>
-              <a:t>12/1/14</a:t>
+              <a:t>12/2/2014</a:t>
             </a:fld>
             <a:endParaRPr lang="en-US"/>
           </a:p>
@@ -1896,7 +1896,7 @@
           <a:p>
             <a:fld id="{74F43A5B-CCF4-DD4C-99FC-D615113EF2E9}" type="datetimeFigureOut">
               <a:rPr lang="en-US" smtClean="0"/>
-              <a:t>12/1/14</a:t>
+              <a:t>12/2/2014</a:t>
             </a:fld>
             <a:endParaRPr lang="en-US"/>
           </a:p>
@@ -1991,7 +1991,7 @@
           <a:p>
             <a:fld id="{74F43A5B-CCF4-DD4C-99FC-D615113EF2E9}" type="datetimeFigureOut">
               <a:rPr lang="en-US" smtClean="0"/>
-              <a:t>12/1/14</a:t>
+              <a:t>12/2/2014</a:t>
             </a:fld>
             <a:endParaRPr lang="en-US"/>
           </a:p>
@@ -2268,7 +2268,7 @@
           <a:p>
             <a:fld id="{74F43A5B-CCF4-DD4C-99FC-D615113EF2E9}" type="datetimeFigureOut">
               <a:rPr lang="en-US" smtClean="0"/>
-              <a:t>12/1/14</a:t>
+              <a:t>12/2/2014</a:t>
             </a:fld>
             <a:endParaRPr lang="en-US"/>
           </a:p>
@@ -2521,7 +2521,7 @@
           <a:p>
             <a:fld id="{74F43A5B-CCF4-DD4C-99FC-D615113EF2E9}" type="datetimeFigureOut">
               <a:rPr lang="en-US" smtClean="0"/>
-              <a:t>12/1/14</a:t>
+              <a:t>12/2/2014</a:t>
             </a:fld>
             <a:endParaRPr lang="en-US"/>
           </a:p>
@@ -2734,7 +2734,7 @@
           <a:p>
             <a:fld id="{74F43A5B-CCF4-DD4C-99FC-D615113EF2E9}" type="datetimeFigureOut">
               <a:rPr lang="en-US" smtClean="0"/>
-              <a:t>12/1/14</a:t>
+              <a:t>12/2/2014</a:t>
             </a:fld>
             <a:endParaRPr lang="en-US"/>
           </a:p>
@@ -3593,7 +3593,7 @@
   <p:timing>
     <p:tnLst>
       <p:par>
-        <p:cTn xmlns:p14="http://schemas.microsoft.com/office/powerpoint/2010/main" id="1" dur="indefinite" restart="never" nodeType="tmRoot"/>
+        <p:cTn id="1" dur="indefinite" restart="never" nodeType="tmRoot"/>
       </p:par>
     </p:tnLst>
   </p:timing>
@@ -3640,34 +3640,32 @@
           </a:p>
         </p:txBody>
       </p:sp>
-      <p:sp>
-        <p:nvSpPr>
-          <p:cNvPr id="3" name="Content Placeholder 2"/>
-          <p:cNvSpPr>
-            <a:spLocks noGrp="1"/>
-          </p:cNvSpPr>
-          <p:nvPr>
-            <p:ph idx="1"/>
-          </p:nvPr>
-        </p:nvSpPr>
-        <p:spPr/>
-        <p:txBody>
-          <a:bodyPr/>
-          <a:lstStyle/>
-          <a:p>
-            <a:r>
-              <a:rPr lang="en-US" dirty="0" smtClean="0">
-                <a:hlinkClick r:id="rId2"/>
-              </a:rPr>
-              <a:t>FwdCorr_Freemap</a:t>
-            </a:r>
-            <a:endParaRPr lang="en-US" smtClean="0"/>
-          </a:p>
-          <a:p>
-            <a:endParaRPr lang="en-US" dirty="0"/>
-          </a:p>
-        </p:txBody>
-      </p:sp>
+      <p:pic>
+        <p:nvPicPr>
+          <p:cNvPr id="4" name="QJ7quDcq2d8"/>
+          <p:cNvPicPr>
+            <a:picLocks noRot="1" noChangeAspect="1"/>
+          </p:cNvPicPr>
+          <p:nvPr>
+            <a:videoFile r:link="rId1"/>
+          </p:nvPr>
+        </p:nvPicPr>
+        <p:blipFill>
+          <a:blip r:embed="rId3"/>
+          <a:stretch>
+            <a:fillRect/>
+          </a:stretch>
+        </p:blipFill>
+        <p:spPr>
+          <a:xfrm>
+            <a:off x="2286000" y="2143125"/>
+            <a:ext cx="4572000" cy="2571750"/>
+          </a:xfrm>
+          <a:prstGeom prst="rect">
+            <a:avLst/>
+          </a:prstGeom>
+        </p:spPr>
+      </p:pic>
     </p:spTree>
     <p:extLst>
       <p:ext uri="{BB962C8B-B14F-4D97-AF65-F5344CB8AC3E}">
@@ -3681,7 +3679,7 @@
   <p:timing>
     <p:tnLst>
       <p:par>
-        <p:cTn xmlns:p14="http://schemas.microsoft.com/office/powerpoint/2010/main" id="1" dur="indefinite" restart="never" nodeType="tmRoot"/>
+        <p:cTn id="1" dur="indefinite" restart="never" nodeType="tmRoot"/>
       </p:par>
     </p:tnLst>
   </p:timing>
